--- a/docs/PeopleForEverything_presentation.pptx
+++ b/docs/PeopleForEverything_presentation.pptx
@@ -20,7 +20,7 @@
   <p:notesSz cx="6858000" cy="9144000"/>
   <p:embeddedFontLst>
     <p:embeddedFont>
-      <p:font typeface="Barlow" panose="020B0604020202020204" pitchFamily="2" charset="0"/>
+      <p:font typeface="Barlow" panose="00000500000000000000" pitchFamily="2" charset="0"/>
       <p:regular r:id="rId10"/>
       <p:bold r:id="rId11"/>
       <p:italic r:id="rId12"/>
@@ -270,6 +270,11 @@
       </a:defRPr>
     </a:lvl9pPr>
   </p:defaultTextStyle>
+  <p:extLst>
+    <p:ext uri="{EFAFB233-063F-42B5-8137-9DF3F51BA10A}">
+      <p15:sldGuideLst xmlns:p15="http://schemas.microsoft.com/office/powerpoint/2012/main"/>
+    </p:ext>
+  </p:extLst>
 </p:presentation>
 </file>
 
@@ -7944,7 +7949,7 @@
         <p:spPr>
           <a:xfrm>
             <a:off x="3739900" y="1655400"/>
-            <a:ext cx="3679200" cy="1411500"/>
+            <a:ext cx="4887334" cy="1411500"/>
           </a:xfrm>
           <a:prstGeom prst="rect">
             <a:avLst/>
@@ -7969,7 +7974,20 @@
               <a:rPr lang="bg-BG" dirty="0"/>
               <a:t>Демо</a:t>
             </a:r>
-            <a:endParaRPr dirty="0"/>
+            <a:r>
+              <a:rPr lang="en-US" dirty="0"/>
+              <a:t>:</a:t>
+            </a:r>
+            <a:br>
+              <a:rPr lang="en-US" dirty="0"/>
+            </a:br>
+            <a:r>
+              <a:rPr lang="en-US" sz="1200" i="1" dirty="0">
+                <a:hlinkClick r:id="rId3"/>
+              </a:rPr>
+              <a:t>https://github.com/iskrabozhkova/Fullstack_PeopleForEverything</a:t>
+            </a:r>
+            <a:endParaRPr sz="1500" i="1" dirty="0"/>
           </a:p>
         </p:txBody>
       </p:sp>
